--- a/docs/presentation/Presentation.pptx
+++ b/docs/presentation/Presentation.pptx
@@ -8,7 +8,13 @@
     <p:sldId id="256" r:id="rId2"/>
     <p:sldId id="257" r:id="rId3"/>
     <p:sldId id="258" r:id="rId4"/>
-    <p:sldId id="259" r:id="rId5"/>
+    <p:sldId id="260" r:id="rId5"/>
+    <p:sldId id="261" r:id="rId6"/>
+    <p:sldId id="259" r:id="rId7"/>
+    <p:sldId id="262" r:id="rId8"/>
+    <p:sldId id="264" r:id="rId9"/>
+    <p:sldId id="265" r:id="rId10"/>
+    <p:sldId id="266" r:id="rId11"/>
   </p:sldIdLst>
   <p:sldSz cx="9144000" cy="6858000" type="screen4x3"/>
   <p:notesSz cx="6858000" cy="9144000"/>
@@ -291,7 +297,8 @@
           <a:p>
             <a:fld id="{66906B82-24FB-406F-AE7B-0813A2933FD6}" type="datetimeFigureOut">
               <a:rPr lang="en-US" smtClean="0"/>
-              <a:t>4/23/2014</a:t>
+              <a:pPr/>
+              <a:t>4/26/2014</a:t>
             </a:fld>
             <a:endParaRPr lang="en-US"/>
           </a:p>
@@ -333,6 +340,7 @@
           <a:p>
             <a:fld id="{D0E78E61-3975-4FE6-9ABD-493EC55D6935}" type="slidenum">
               <a:rPr lang="en-US" smtClean="0"/>
+              <a:pPr/>
               <a:t>‹#›</a:t>
             </a:fld>
             <a:endParaRPr lang="en-US"/>
@@ -456,7 +464,8 @@
           <a:p>
             <a:fld id="{66906B82-24FB-406F-AE7B-0813A2933FD6}" type="datetimeFigureOut">
               <a:rPr lang="en-US" smtClean="0"/>
-              <a:t>4/23/2014</a:t>
+              <a:pPr/>
+              <a:t>4/26/2014</a:t>
             </a:fld>
             <a:endParaRPr lang="en-US"/>
           </a:p>
@@ -498,6 +507,7 @@
           <a:p>
             <a:fld id="{D0E78E61-3975-4FE6-9ABD-493EC55D6935}" type="slidenum">
               <a:rPr lang="en-US" smtClean="0"/>
+              <a:pPr/>
               <a:t>‹#›</a:t>
             </a:fld>
             <a:endParaRPr lang="en-US"/>
@@ -631,7 +641,8 @@
           <a:p>
             <a:fld id="{66906B82-24FB-406F-AE7B-0813A2933FD6}" type="datetimeFigureOut">
               <a:rPr lang="en-US" smtClean="0"/>
-              <a:t>4/23/2014</a:t>
+              <a:pPr/>
+              <a:t>4/26/2014</a:t>
             </a:fld>
             <a:endParaRPr lang="en-US"/>
           </a:p>
@@ -673,6 +684,7 @@
           <a:p>
             <a:fld id="{D0E78E61-3975-4FE6-9ABD-493EC55D6935}" type="slidenum">
               <a:rPr lang="en-US" smtClean="0"/>
+              <a:pPr/>
               <a:t>‹#›</a:t>
             </a:fld>
             <a:endParaRPr lang="en-US"/>
@@ -796,7 +808,8 @@
           <a:p>
             <a:fld id="{66906B82-24FB-406F-AE7B-0813A2933FD6}" type="datetimeFigureOut">
               <a:rPr lang="en-US" smtClean="0"/>
-              <a:t>4/23/2014</a:t>
+              <a:pPr/>
+              <a:t>4/26/2014</a:t>
             </a:fld>
             <a:endParaRPr lang="en-US"/>
           </a:p>
@@ -838,6 +851,7 @@
           <a:p>
             <a:fld id="{D0E78E61-3975-4FE6-9ABD-493EC55D6935}" type="slidenum">
               <a:rPr lang="en-US" smtClean="0"/>
+              <a:pPr/>
               <a:t>‹#›</a:t>
             </a:fld>
             <a:endParaRPr lang="en-US"/>
@@ -1037,7 +1051,8 @@
           <a:p>
             <a:fld id="{66906B82-24FB-406F-AE7B-0813A2933FD6}" type="datetimeFigureOut">
               <a:rPr lang="en-US" smtClean="0"/>
-              <a:t>4/23/2014</a:t>
+              <a:pPr/>
+              <a:t>4/26/2014</a:t>
             </a:fld>
             <a:endParaRPr lang="en-US"/>
           </a:p>
@@ -1079,6 +1094,7 @@
           <a:p>
             <a:fld id="{D0E78E61-3975-4FE6-9ABD-493EC55D6935}" type="slidenum">
               <a:rPr lang="en-US" smtClean="0"/>
+              <a:pPr/>
               <a:t>‹#›</a:t>
             </a:fld>
             <a:endParaRPr lang="en-US"/>
@@ -1320,7 +1336,8 @@
           <a:p>
             <a:fld id="{66906B82-24FB-406F-AE7B-0813A2933FD6}" type="datetimeFigureOut">
               <a:rPr lang="en-US" smtClean="0"/>
-              <a:t>4/23/2014</a:t>
+              <a:pPr/>
+              <a:t>4/26/2014</a:t>
             </a:fld>
             <a:endParaRPr lang="en-US"/>
           </a:p>
@@ -1362,6 +1379,7 @@
           <a:p>
             <a:fld id="{D0E78E61-3975-4FE6-9ABD-493EC55D6935}" type="slidenum">
               <a:rPr lang="en-US" smtClean="0"/>
+              <a:pPr/>
               <a:t>‹#›</a:t>
             </a:fld>
             <a:endParaRPr lang="en-US"/>
@@ -1737,7 +1755,8 @@
           <a:p>
             <a:fld id="{66906B82-24FB-406F-AE7B-0813A2933FD6}" type="datetimeFigureOut">
               <a:rPr lang="en-US" smtClean="0"/>
-              <a:t>4/23/2014</a:t>
+              <a:pPr/>
+              <a:t>4/26/2014</a:t>
             </a:fld>
             <a:endParaRPr lang="en-US"/>
           </a:p>
@@ -1779,6 +1798,7 @@
           <a:p>
             <a:fld id="{D0E78E61-3975-4FE6-9ABD-493EC55D6935}" type="slidenum">
               <a:rPr lang="en-US" smtClean="0"/>
+              <a:pPr/>
               <a:t>‹#›</a:t>
             </a:fld>
             <a:endParaRPr lang="en-US"/>
@@ -1850,7 +1870,8 @@
           <a:p>
             <a:fld id="{66906B82-24FB-406F-AE7B-0813A2933FD6}" type="datetimeFigureOut">
               <a:rPr lang="en-US" smtClean="0"/>
-              <a:t>4/23/2014</a:t>
+              <a:pPr/>
+              <a:t>4/26/2014</a:t>
             </a:fld>
             <a:endParaRPr lang="en-US"/>
           </a:p>
@@ -1892,6 +1913,7 @@
           <a:p>
             <a:fld id="{D0E78E61-3975-4FE6-9ABD-493EC55D6935}" type="slidenum">
               <a:rPr lang="en-US" smtClean="0"/>
+              <a:pPr/>
               <a:t>‹#›</a:t>
             </a:fld>
             <a:endParaRPr lang="en-US"/>
@@ -1940,7 +1962,8 @@
           <a:p>
             <a:fld id="{66906B82-24FB-406F-AE7B-0813A2933FD6}" type="datetimeFigureOut">
               <a:rPr lang="en-US" smtClean="0"/>
-              <a:t>4/23/2014</a:t>
+              <a:pPr/>
+              <a:t>4/26/2014</a:t>
             </a:fld>
             <a:endParaRPr lang="en-US"/>
           </a:p>
@@ -1982,6 +2005,7 @@
           <a:p>
             <a:fld id="{D0E78E61-3975-4FE6-9ABD-493EC55D6935}" type="slidenum">
               <a:rPr lang="en-US" smtClean="0"/>
+              <a:pPr/>
               <a:t>‹#›</a:t>
             </a:fld>
             <a:endParaRPr lang="en-US"/>
@@ -2212,7 +2236,8 @@
           <a:p>
             <a:fld id="{66906B82-24FB-406F-AE7B-0813A2933FD6}" type="datetimeFigureOut">
               <a:rPr lang="en-US" smtClean="0"/>
-              <a:t>4/23/2014</a:t>
+              <a:pPr/>
+              <a:t>4/26/2014</a:t>
             </a:fld>
             <a:endParaRPr lang="en-US"/>
           </a:p>
@@ -2254,6 +2279,7 @@
           <a:p>
             <a:fld id="{D0E78E61-3975-4FE6-9ABD-493EC55D6935}" type="slidenum">
               <a:rPr lang="en-US" smtClean="0"/>
+              <a:pPr/>
               <a:t>‹#›</a:t>
             </a:fld>
             <a:endParaRPr lang="en-US"/>
@@ -2460,7 +2486,8 @@
           <a:p>
             <a:fld id="{66906B82-24FB-406F-AE7B-0813A2933FD6}" type="datetimeFigureOut">
               <a:rPr lang="en-US" smtClean="0"/>
-              <a:t>4/23/2014</a:t>
+              <a:pPr/>
+              <a:t>4/26/2014</a:t>
             </a:fld>
             <a:endParaRPr lang="en-US"/>
           </a:p>
@@ -2502,6 +2529,7 @@
           <a:p>
             <a:fld id="{D0E78E61-3975-4FE6-9ABD-493EC55D6935}" type="slidenum">
               <a:rPr lang="en-US" smtClean="0"/>
+              <a:pPr/>
               <a:t>‹#›</a:t>
             </a:fld>
             <a:endParaRPr lang="en-US"/>
@@ -2668,7 +2696,8 @@
           <a:p>
             <a:fld id="{66906B82-24FB-406F-AE7B-0813A2933FD6}" type="datetimeFigureOut">
               <a:rPr lang="en-US" smtClean="0"/>
-              <a:t>4/23/2014</a:t>
+              <a:pPr/>
+              <a:t>4/26/2014</a:t>
             </a:fld>
             <a:endParaRPr lang="en-US"/>
           </a:p>
@@ -2746,6 +2775,7 @@
           <a:p>
             <a:fld id="{D0E78E61-3975-4FE6-9ABD-493EC55D6935}" type="slidenum">
               <a:rPr lang="en-US" smtClean="0"/>
+              <a:pPr/>
               <a:t>‹#›</a:t>
             </a:fld>
             <a:endParaRPr lang="en-US"/>
@@ -3048,12 +3078,21 @@
             <p:ph type="ctrTitle"/>
           </p:nvPr>
         </p:nvSpPr>
-        <p:spPr/>
-        <p:txBody>
-          <a:bodyPr/>
-          <a:lstStyle/>
-          <a:p>
-            <a:endParaRPr lang="en-US"/>
+        <p:spPr>
+          <a:xfrm>
+            <a:off x="1981200" y="1981200"/>
+            <a:ext cx="3733800" cy="1470025"/>
+          </a:xfrm>
+        </p:spPr>
+        <p:txBody>
+          <a:bodyPr/>
+          <a:lstStyle/>
+          <a:p>
+            <a:r>
+              <a:rPr lang="en-US" dirty="0" smtClean="0"/>
+              <a:t>Jiminy</a:t>
+            </a:r>
+            <a:endParaRPr lang="en-US" dirty="0"/>
           </a:p>
         </p:txBody>
       </p:sp>
@@ -3072,7 +3111,231 @@
           <a:bodyPr/>
           <a:lstStyle/>
           <a:p>
-            <a:endParaRPr lang="en-US"/>
+            <a:r>
+              <a:rPr lang="en-US" dirty="0" smtClean="0"/>
+              <a:t>Parallel Processing of Logical Data Structures</a:t>
+            </a:r>
+            <a:endParaRPr lang="en-US" dirty="0"/>
+          </a:p>
+        </p:txBody>
+      </p:sp>
+      <p:pic>
+        <p:nvPicPr>
+          <p:cNvPr id="4" name="Picture 3" descr="Jiminy.jpg"/>
+          <p:cNvPicPr>
+            <a:picLocks noChangeAspect="1"/>
+          </p:cNvPicPr>
+          <p:nvPr/>
+        </p:nvPicPr>
+        <p:blipFill>
+          <a:blip r:embed="rId2" cstate="print"/>
+          <a:stretch>
+            <a:fillRect/>
+          </a:stretch>
+        </p:blipFill>
+        <p:spPr>
+          <a:xfrm>
+            <a:off x="5029200" y="1752600"/>
+            <a:ext cx="1150620" cy="2011680"/>
+          </a:xfrm>
+          <a:prstGeom prst="rect">
+            <a:avLst/>
+          </a:prstGeom>
+        </p:spPr>
+      </p:pic>
+    </p:spTree>
+  </p:cSld>
+  <p:clrMapOvr>
+    <a:masterClrMapping/>
+  </p:clrMapOvr>
+</p:sld>
+</file>
+
+<file path=ppt/slides/slide10.xml><?xml version="1.0" encoding="utf-8"?>
+<p:sld xmlns:a="http://schemas.openxmlformats.org/drawingml/2006/main" xmlns:r="http://schemas.openxmlformats.org/officeDocument/2006/relationships" xmlns:p="http://schemas.openxmlformats.org/presentationml/2006/main">
+  <p:cSld>
+    <p:spTree>
+      <p:nvGrpSpPr>
+        <p:cNvPr id="1" name=""/>
+        <p:cNvGrpSpPr/>
+        <p:nvPr/>
+      </p:nvGrpSpPr>
+      <p:grpSpPr>
+        <a:xfrm>
+          <a:off x="0" y="0"/>
+          <a:ext cx="0" cy="0"/>
+          <a:chOff x="0" y="0"/>
+          <a:chExt cx="0" cy="0"/>
+        </a:xfrm>
+      </p:grpSpPr>
+      <p:sp>
+        <p:nvSpPr>
+          <p:cNvPr id="2" name="Title 1"/>
+          <p:cNvSpPr>
+            <a:spLocks noGrp="1"/>
+          </p:cNvSpPr>
+          <p:nvPr>
+            <p:ph type="title"/>
+          </p:nvPr>
+        </p:nvSpPr>
+        <p:spPr/>
+        <p:txBody>
+          <a:bodyPr/>
+          <a:lstStyle/>
+          <a:p>
+            <a:r>
+              <a:rPr lang="en-US" dirty="0" smtClean="0"/>
+              <a:t>Bad Idea!</a:t>
+            </a:r>
+            <a:endParaRPr lang="en-US" dirty="0"/>
+          </a:p>
+        </p:txBody>
+      </p:sp>
+      <p:sp>
+        <p:nvSpPr>
+          <p:cNvPr id="3" name="Content Placeholder 2"/>
+          <p:cNvSpPr>
+            <a:spLocks noGrp="1"/>
+          </p:cNvSpPr>
+          <p:nvPr>
+            <p:ph idx="1"/>
+          </p:nvPr>
+        </p:nvSpPr>
+        <p:spPr>
+          <a:xfrm>
+            <a:off x="381000" y="2590800"/>
+            <a:ext cx="4267200" cy="3810000"/>
+          </a:xfrm>
+        </p:spPr>
+        <p:txBody>
+          <a:bodyPr>
+            <a:normAutofit/>
+          </a:bodyPr>
+          <a:lstStyle/>
+          <a:p>
+            <a:r>
+              <a:rPr lang="en-US" dirty="0" smtClean="0"/>
+              <a:t>Moral of the story: Use a GPU for algorithms that are CPU-bound, not bandwidth-bound</a:t>
+            </a:r>
+            <a:endParaRPr lang="en-US" dirty="0"/>
+          </a:p>
+        </p:txBody>
+      </p:sp>
+      <p:pic>
+        <p:nvPicPr>
+          <p:cNvPr id="4" name="Picture 3" descr="squash-jiminy.gif"/>
+          <p:cNvPicPr>
+            <a:picLocks noChangeAspect="1"/>
+          </p:cNvPicPr>
+          <p:nvPr/>
+        </p:nvPicPr>
+        <p:blipFill>
+          <a:blip r:embed="rId2" cstate="print"/>
+          <a:stretch>
+            <a:fillRect/>
+          </a:stretch>
+        </p:blipFill>
+        <p:spPr>
+          <a:xfrm>
+            <a:off x="4724400" y="2590800"/>
+            <a:ext cx="2575560" cy="3543300"/>
+          </a:xfrm>
+          <a:prstGeom prst="rect">
+            <a:avLst/>
+          </a:prstGeom>
+        </p:spPr>
+      </p:pic>
+      <p:sp>
+        <p:nvSpPr>
+          <p:cNvPr id="6" name="Content Placeholder 2"/>
+          <p:cNvSpPr txBox="1">
+            <a:spLocks/>
+          </p:cNvSpPr>
+          <p:nvPr/>
+        </p:nvSpPr>
+        <p:spPr>
+          <a:xfrm>
+            <a:off x="381000" y="1371600"/>
+            <a:ext cx="7696200" cy="1066800"/>
+          </a:xfrm>
+          <a:prstGeom prst="rect">
+            <a:avLst/>
+          </a:prstGeom>
+        </p:spPr>
+        <p:txBody>
+          <a:bodyPr vert="horz" lIns="91440" tIns="45720" rIns="91440" bIns="45720" rtlCol="0">
+            <a:normAutofit/>
+          </a:bodyPr>
+          <a:lstStyle/>
+          <a:p>
+            <a:pPr marL="342900" marR="0" lvl="0" indent="-342900" algn="l" defTabSz="914400" rtl="0" eaLnBrk="1" fontAlgn="auto" latinLnBrk="0" hangingPunct="1">
+              <a:lnSpc>
+                <a:spcPct val="100000"/>
+              </a:lnSpc>
+              <a:spcBef>
+                <a:spcPct val="20000"/>
+              </a:spcBef>
+              <a:spcAft>
+                <a:spcPts val="0"/>
+              </a:spcAft>
+              <a:buClrTx/>
+              <a:buSzTx/>
+              <a:buFont typeface="Arial" pitchFamily="34" charset="0"/>
+              <a:buChar char="•"/>
+              <a:tabLst/>
+              <a:defRPr/>
+            </a:pPr>
+            <a:r>
+              <a:rPr kumimoji="0" lang="en-US" sz="3200" b="0" i="0" u="none" strike="noStrike" kern="1200" cap="none" spc="0" normalizeH="0" baseline="0" noProof="0" dirty="0" smtClean="0">
+                <a:ln>
+                  <a:noFill/>
+                </a:ln>
+                <a:solidFill>
+                  <a:schemeClr val="tx1"/>
+                </a:solidFill>
+                <a:effectLst/>
+                <a:uLnTx/>
+                <a:uFillTx/>
+                <a:latin typeface="+mn-lt"/>
+                <a:ea typeface="+mn-ea"/>
+                <a:cs typeface="+mn-cs"/>
+              </a:rPr>
+              <a:t>Evaluating logical expressions on the GPU turns out</a:t>
+            </a:r>
+            <a:r>
+              <a:rPr kumimoji="0" lang="en-US" sz="3200" b="0" i="0" u="none" strike="noStrike" kern="1200" cap="none" spc="0" normalizeH="0" noProof="0" dirty="0" smtClean="0">
+                <a:ln>
+                  <a:noFill/>
+                </a:ln>
+                <a:solidFill>
+                  <a:schemeClr val="tx1"/>
+                </a:solidFill>
+                <a:effectLst/>
+                <a:uLnTx/>
+                <a:uFillTx/>
+                <a:latin typeface="+mn-lt"/>
+                <a:ea typeface="+mn-ea"/>
+                <a:cs typeface="+mn-cs"/>
+              </a:rPr>
+              <a:t> to</a:t>
+            </a:r>
+            <a:r>
+              <a:rPr kumimoji="0" lang="en-US" sz="3200" b="0" i="0" u="none" strike="noStrike" kern="1200" cap="none" spc="0" normalizeH="0" baseline="0" noProof="0" dirty="0" smtClean="0">
+                <a:ln>
+                  <a:noFill/>
+                </a:ln>
+                <a:solidFill>
+                  <a:schemeClr val="tx1"/>
+                </a:solidFill>
+                <a:effectLst/>
+                <a:uLnTx/>
+                <a:uFillTx/>
+                <a:latin typeface="+mn-lt"/>
+                <a:ea typeface="+mn-ea"/>
+                <a:cs typeface="+mn-cs"/>
+              </a:rPr>
+              <a:t> not be a worthwhile endeavor</a:t>
+            </a:r>
           </a:p>
         </p:txBody>
       </p:sp>
@@ -3141,6 +3404,7 @@
           </a:bodyPr>
           <a:lstStyle/>
           <a:p>
+            <a:pPr algn="ctr"/>
             <a:r>
               <a:rPr lang="en-US" dirty="0" smtClean="0"/>
               <a:t>Geppetto – “a language for the modeling of intelligent behavior”</a:t>
@@ -3189,9 +3453,10 @@
           </a:bodyPr>
           <a:lstStyle/>
           <a:p>
-            <a:r>
-              <a:rPr lang="en-US" dirty="0" smtClean="0"/>
-              <a:t>Jiminy Cricket – Pinocchio’s wise (and comical) partner</a:t>
+            <a:pPr algn="ctr"/>
+            <a:r>
+              <a:rPr lang="en-US" dirty="0" smtClean="0"/>
+              <a:t>Jiminy Cricket – Pinocchio’s wise partner and helper</a:t>
             </a:r>
           </a:p>
         </p:txBody>
@@ -3277,34 +3542,304 @@
             <p:ph sz="half" idx="1"/>
           </p:nvPr>
         </p:nvSpPr>
-        <p:spPr/>
-        <p:txBody>
-          <a:bodyPr/>
-          <a:lstStyle/>
-          <a:p>
-            <a:endParaRPr lang="en-US"/>
-          </a:p>
-        </p:txBody>
-      </p:sp>
-      <p:sp>
-        <p:nvSpPr>
-          <p:cNvPr id="5" name="Content Placeholder 4"/>
-          <p:cNvSpPr>
-            <a:spLocks noGrp="1"/>
-          </p:cNvSpPr>
-          <p:nvPr>
-            <p:ph sz="half" idx="2"/>
-          </p:nvPr>
-        </p:nvSpPr>
-        <p:spPr/>
-        <p:txBody>
-          <a:bodyPr/>
-          <a:lstStyle/>
-          <a:p>
-            <a:endParaRPr lang="en-US"/>
-          </a:p>
-        </p:txBody>
-      </p:sp>
+        <p:spPr>
+          <a:xfrm>
+            <a:off x="457200" y="1600200"/>
+            <a:ext cx="3733800" cy="4525963"/>
+          </a:xfrm>
+        </p:spPr>
+        <p:txBody>
+          <a:bodyPr>
+            <a:normAutofit lnSpcReduction="10000"/>
+          </a:bodyPr>
+          <a:lstStyle/>
+          <a:p>
+            <a:r>
+              <a:rPr lang="en-US" dirty="0" smtClean="0"/>
+              <a:t>Not a procedural language</a:t>
+            </a:r>
+          </a:p>
+          <a:p>
+            <a:r>
+              <a:rPr lang="en-US" dirty="0" smtClean="0"/>
+              <a:t>Rules operate on Entities, potentially changing their state</a:t>
+            </a:r>
+          </a:p>
+          <a:p>
+            <a:r>
+              <a:rPr lang="en-US" dirty="0" smtClean="0"/>
+              <a:t>Each Rule is evaluated every Cycle</a:t>
+            </a:r>
+          </a:p>
+          <a:p>
+            <a:r>
+              <a:rPr lang="en-US" dirty="0" smtClean="0"/>
+              <a:t>Continues until predetermined end state is reached</a:t>
+            </a:r>
+            <a:endParaRPr lang="en-US" dirty="0"/>
+          </a:p>
+        </p:txBody>
+      </p:sp>
+      <p:sp>
+        <p:nvSpPr>
+          <p:cNvPr id="7" name="Rectangle 6"/>
+          <p:cNvSpPr/>
+          <p:nvPr/>
+        </p:nvSpPr>
+        <p:spPr>
+          <a:xfrm>
+            <a:off x="4343400" y="2057400"/>
+            <a:ext cx="1600200" cy="1216152"/>
+          </a:xfrm>
+          <a:prstGeom prst="rect">
+            <a:avLst/>
+          </a:prstGeom>
+        </p:spPr>
+        <p:style>
+          <a:lnRef idx="2">
+            <a:schemeClr val="accent1">
+              <a:shade val="50000"/>
+            </a:schemeClr>
+          </a:lnRef>
+          <a:fillRef idx="1">
+            <a:schemeClr val="accent1"/>
+          </a:fillRef>
+          <a:effectRef idx="0">
+            <a:schemeClr val="accent1"/>
+          </a:effectRef>
+          <a:fontRef idx="minor">
+            <a:schemeClr val="lt1"/>
+          </a:fontRef>
+        </p:style>
+        <p:txBody>
+          <a:bodyPr rtlCol="0" anchor="ctr"/>
+          <a:lstStyle/>
+          <a:p>
+            <a:pPr algn="ctr"/>
+            <a:r>
+              <a:rPr lang="en-US" sz="3200" dirty="0" smtClean="0"/>
+              <a:t>Entities</a:t>
+            </a:r>
+            <a:endParaRPr lang="en-US" sz="3200" dirty="0"/>
+          </a:p>
+        </p:txBody>
+      </p:sp>
+      <p:sp>
+        <p:nvSpPr>
+          <p:cNvPr id="8" name="Oval 7"/>
+          <p:cNvSpPr/>
+          <p:nvPr/>
+        </p:nvSpPr>
+        <p:spPr>
+          <a:xfrm>
+            <a:off x="6629400" y="2057400"/>
+            <a:ext cx="1905000" cy="1219200"/>
+          </a:xfrm>
+          <a:prstGeom prst="ellipse">
+            <a:avLst/>
+          </a:prstGeom>
+          <a:solidFill>
+            <a:schemeClr val="accent3"/>
+          </a:solidFill>
+          <a:ln>
+            <a:solidFill>
+              <a:schemeClr val="accent3">
+                <a:lumMod val="75000"/>
+              </a:schemeClr>
+            </a:solidFill>
+          </a:ln>
+        </p:spPr>
+        <p:style>
+          <a:lnRef idx="2">
+            <a:schemeClr val="accent1">
+              <a:shade val="50000"/>
+            </a:schemeClr>
+          </a:lnRef>
+          <a:fillRef idx="1">
+            <a:schemeClr val="accent1"/>
+          </a:fillRef>
+          <a:effectRef idx="0">
+            <a:schemeClr val="accent1"/>
+          </a:effectRef>
+          <a:fontRef idx="minor">
+            <a:schemeClr val="lt1"/>
+          </a:fontRef>
+        </p:style>
+        <p:txBody>
+          <a:bodyPr rtlCol="0" anchor="ctr"/>
+          <a:lstStyle/>
+          <a:p>
+            <a:pPr algn="ctr"/>
+            <a:r>
+              <a:rPr lang="en-US" sz="3200" dirty="0" smtClean="0"/>
+              <a:t>States</a:t>
+            </a:r>
+            <a:endParaRPr lang="en-US" sz="3200" dirty="0"/>
+          </a:p>
+        </p:txBody>
+      </p:sp>
+      <p:sp>
+        <p:nvSpPr>
+          <p:cNvPr id="9" name="Isosceles Triangle 8"/>
+          <p:cNvSpPr/>
+          <p:nvPr/>
+        </p:nvSpPr>
+        <p:spPr>
+          <a:xfrm>
+            <a:off x="5410200" y="3733800"/>
+            <a:ext cx="2209800" cy="1676400"/>
+          </a:xfrm>
+          <a:prstGeom prst="triangle">
+            <a:avLst/>
+          </a:prstGeom>
+          <a:solidFill>
+            <a:schemeClr val="accent2"/>
+          </a:solidFill>
+          <a:ln>
+            <a:solidFill>
+              <a:schemeClr val="accent2">
+                <a:lumMod val="75000"/>
+              </a:schemeClr>
+            </a:solidFill>
+          </a:ln>
+        </p:spPr>
+        <p:style>
+          <a:lnRef idx="2">
+            <a:schemeClr val="accent1">
+              <a:shade val="50000"/>
+            </a:schemeClr>
+          </a:lnRef>
+          <a:fillRef idx="1">
+            <a:schemeClr val="accent1"/>
+          </a:fillRef>
+          <a:effectRef idx="0">
+            <a:schemeClr val="accent1"/>
+          </a:effectRef>
+          <a:fontRef idx="minor">
+            <a:schemeClr val="lt1"/>
+          </a:fontRef>
+        </p:style>
+        <p:txBody>
+          <a:bodyPr rtlCol="0" anchor="ctr"/>
+          <a:lstStyle/>
+          <a:p>
+            <a:pPr algn="ctr"/>
+            <a:r>
+              <a:rPr lang="en-US" sz="3200" dirty="0" smtClean="0"/>
+              <a:t>Rules</a:t>
+            </a:r>
+            <a:endParaRPr lang="en-US" sz="3200" dirty="0"/>
+          </a:p>
+        </p:txBody>
+      </p:sp>
+      <p:cxnSp>
+        <p:nvCxnSpPr>
+          <p:cNvPr id="10" name="Straight Arrow Connector 9"/>
+          <p:cNvCxnSpPr>
+            <a:stCxn id="8" idx="2"/>
+            <a:endCxn id="7" idx="3"/>
+          </p:cNvCxnSpPr>
+          <p:nvPr/>
+        </p:nvCxnSpPr>
+        <p:spPr>
+          <a:xfrm flipH="1" flipV="1">
+            <a:off x="5943600" y="2665476"/>
+            <a:ext cx="685800" cy="1524"/>
+          </a:xfrm>
+          <a:prstGeom prst="straightConnector1">
+            <a:avLst/>
+          </a:prstGeom>
+          <a:ln>
+            <a:tailEnd type="arrow"/>
+          </a:ln>
+        </p:spPr>
+        <p:style>
+          <a:lnRef idx="1">
+            <a:schemeClr val="accent1"/>
+          </a:lnRef>
+          <a:fillRef idx="0">
+            <a:schemeClr val="accent1"/>
+          </a:fillRef>
+          <a:effectRef idx="0">
+            <a:schemeClr val="accent1"/>
+          </a:effectRef>
+          <a:fontRef idx="minor">
+            <a:schemeClr val="tx1"/>
+          </a:fontRef>
+        </p:style>
+      </p:cxnSp>
+      <p:cxnSp>
+        <p:nvCxnSpPr>
+          <p:cNvPr id="14" name="Straight Arrow Connector 13"/>
+          <p:cNvCxnSpPr>
+            <a:stCxn id="7" idx="2"/>
+            <a:endCxn id="9" idx="1"/>
+          </p:cNvCxnSpPr>
+          <p:nvPr/>
+        </p:nvCxnSpPr>
+        <p:spPr>
+          <a:xfrm>
+            <a:off x="5143500" y="3273552"/>
+            <a:ext cx="819150" cy="1298448"/>
+          </a:xfrm>
+          <a:prstGeom prst="straightConnector1">
+            <a:avLst/>
+          </a:prstGeom>
+          <a:ln>
+            <a:tailEnd type="arrow"/>
+          </a:ln>
+        </p:spPr>
+        <p:style>
+          <a:lnRef idx="1">
+            <a:schemeClr val="accent1"/>
+          </a:lnRef>
+          <a:fillRef idx="0">
+            <a:schemeClr val="accent1"/>
+          </a:fillRef>
+          <a:effectRef idx="0">
+            <a:schemeClr val="accent1"/>
+          </a:effectRef>
+          <a:fontRef idx="minor">
+            <a:schemeClr val="tx1"/>
+          </a:fontRef>
+        </p:style>
+      </p:cxnSp>
+      <p:cxnSp>
+        <p:nvCxnSpPr>
+          <p:cNvPr id="28" name="Straight Arrow Connector 27"/>
+          <p:cNvCxnSpPr>
+            <a:stCxn id="9" idx="5"/>
+            <a:endCxn id="8" idx="4"/>
+          </p:cNvCxnSpPr>
+          <p:nvPr/>
+        </p:nvCxnSpPr>
+        <p:spPr>
+          <a:xfrm flipV="1">
+            <a:off x="7067550" y="3276600"/>
+            <a:ext cx="514350" cy="1295400"/>
+          </a:xfrm>
+          <a:prstGeom prst="straightConnector1">
+            <a:avLst/>
+          </a:prstGeom>
+          <a:ln>
+            <a:tailEnd type="arrow"/>
+          </a:ln>
+        </p:spPr>
+        <p:style>
+          <a:lnRef idx="1">
+            <a:schemeClr val="accent1"/>
+          </a:lnRef>
+          <a:fillRef idx="0">
+            <a:schemeClr val="accent1"/>
+          </a:fillRef>
+          <a:effectRef idx="0">
+            <a:schemeClr val="accent1"/>
+          </a:effectRef>
+          <a:fontRef idx="minor">
+            <a:schemeClr val="tx1"/>
+          </a:fontRef>
+        </p:style>
+      </p:cxnSp>
     </p:spTree>
   </p:cSld>
   <p:clrMapOvr>
@@ -3347,6 +3882,222 @@
           <a:p>
             <a:r>
               <a:rPr lang="en-US" dirty="0" smtClean="0"/>
+              <a:t>Problem!</a:t>
+            </a:r>
+            <a:endParaRPr lang="en-US" dirty="0"/>
+          </a:p>
+        </p:txBody>
+      </p:sp>
+      <p:sp>
+        <p:nvSpPr>
+          <p:cNvPr id="3" name="Content Placeholder 2"/>
+          <p:cNvSpPr>
+            <a:spLocks noGrp="1"/>
+          </p:cNvSpPr>
+          <p:nvPr>
+            <p:ph idx="1"/>
+          </p:nvPr>
+        </p:nvSpPr>
+        <p:spPr/>
+        <p:txBody>
+          <a:bodyPr>
+            <a:normAutofit/>
+          </a:bodyPr>
+          <a:lstStyle/>
+          <a:p>
+            <a:r>
+              <a:rPr lang="en-US" dirty="0" smtClean="0"/>
+              <a:t>Language is most flexible/useful when each Rule may refer to </a:t>
+            </a:r>
+            <a:r>
+              <a:rPr lang="en-US" b="1" dirty="0" smtClean="0"/>
+              <a:t>types</a:t>
+            </a:r>
+            <a:r>
+              <a:rPr lang="en-US" dirty="0" smtClean="0"/>
+              <a:t> of Entities rather than particular </a:t>
+            </a:r>
+            <a:r>
+              <a:rPr lang="en-US" b="1" dirty="0" smtClean="0"/>
+              <a:t>instances</a:t>
+            </a:r>
+          </a:p>
+          <a:p>
+            <a:r>
+              <a:rPr lang="en-US" dirty="0" smtClean="0"/>
+              <a:t>Leads to exponential growth of problem size</a:t>
+            </a:r>
+          </a:p>
+          <a:p>
+            <a:r>
+              <a:rPr lang="en-US" dirty="0" smtClean="0"/>
+              <a:t>Example: 10 Rules, each of which contains references to 5 Entities = 10^5 = 100,000 Rule evaluations each Cycle!</a:t>
+            </a:r>
+            <a:endParaRPr lang="en-US" dirty="0"/>
+          </a:p>
+        </p:txBody>
+      </p:sp>
+    </p:spTree>
+  </p:cSld>
+  <p:clrMapOvr>
+    <a:masterClrMapping/>
+  </p:clrMapOvr>
+</p:sld>
+</file>
+
+<file path=ppt/slides/slide5.xml><?xml version="1.0" encoding="utf-8"?>
+<p:sld xmlns:a="http://schemas.openxmlformats.org/drawingml/2006/main" xmlns:r="http://schemas.openxmlformats.org/officeDocument/2006/relationships" xmlns:p="http://schemas.openxmlformats.org/presentationml/2006/main">
+  <p:cSld>
+    <p:spTree>
+      <p:nvGrpSpPr>
+        <p:cNvPr id="1" name=""/>
+        <p:cNvGrpSpPr/>
+        <p:nvPr/>
+      </p:nvGrpSpPr>
+      <p:grpSpPr>
+        <a:xfrm>
+          <a:off x="0" y="0"/>
+          <a:ext cx="0" cy="0"/>
+          <a:chOff x="0" y="0"/>
+          <a:chExt cx="0" cy="0"/>
+        </a:xfrm>
+      </p:grpSpPr>
+      <p:sp>
+        <p:nvSpPr>
+          <p:cNvPr id="2" name="Title 1"/>
+          <p:cNvSpPr>
+            <a:spLocks noGrp="1"/>
+          </p:cNvSpPr>
+          <p:nvPr>
+            <p:ph type="title"/>
+          </p:nvPr>
+        </p:nvSpPr>
+        <p:spPr/>
+        <p:txBody>
+          <a:bodyPr/>
+          <a:lstStyle/>
+          <a:p>
+            <a:r>
+              <a:rPr lang="en-US" dirty="0" smtClean="0"/>
+              <a:t>Solution?</a:t>
+            </a:r>
+            <a:endParaRPr lang="en-US" dirty="0"/>
+          </a:p>
+        </p:txBody>
+      </p:sp>
+      <p:sp>
+        <p:nvSpPr>
+          <p:cNvPr id="3" name="Content Placeholder 2"/>
+          <p:cNvSpPr>
+            <a:spLocks noGrp="1"/>
+          </p:cNvSpPr>
+          <p:nvPr>
+            <p:ph idx="1"/>
+          </p:nvPr>
+        </p:nvSpPr>
+        <p:spPr/>
+        <p:txBody>
+          <a:bodyPr/>
+          <a:lstStyle/>
+          <a:p>
+            <a:r>
+              <a:rPr lang="en-US" dirty="0" smtClean="0"/>
+              <a:t>A Rule is </a:t>
+            </a:r>
+            <a:r>
+              <a:rPr lang="en-US" dirty="0" smtClean="0"/>
+              <a:t>a boolean expression coupled with a statement to execute if the expression is true</a:t>
+            </a:r>
+          </a:p>
+          <a:p>
+            <a:r>
+              <a:rPr lang="en-US" dirty="0" smtClean="0"/>
+              <a:t>Only </a:t>
+            </a:r>
+            <a:r>
+              <a:rPr lang="en-US" b="1" dirty="0" smtClean="0"/>
+              <a:t>som</a:t>
+            </a:r>
+            <a:r>
+              <a:rPr lang="en-US" b="1" dirty="0" smtClean="0"/>
+              <a:t>e </a:t>
+            </a:r>
+            <a:r>
+              <a:rPr lang="en-US" dirty="0" smtClean="0"/>
+              <a:t>Rules trigger per Cycle, but they </a:t>
+            </a:r>
+            <a:r>
+              <a:rPr lang="en-US" b="1" dirty="0" smtClean="0"/>
+              <a:t>all </a:t>
+            </a:r>
+            <a:r>
+              <a:rPr lang="en-US" dirty="0" smtClean="0"/>
+              <a:t>have to be evaluated</a:t>
+            </a:r>
+          </a:p>
+          <a:p>
+            <a:r>
+              <a:rPr lang="en-US" dirty="0" smtClean="0"/>
+              <a:t>So the </a:t>
+            </a:r>
+            <a:r>
+              <a:rPr lang="en-US" dirty="0" smtClean="0"/>
+              <a:t>expensive part is figuring out which Rules to trigger (i.e., evaluating their expressions)</a:t>
+            </a:r>
+          </a:p>
+          <a:p>
+            <a:r>
+              <a:rPr lang="en-US" dirty="0" smtClean="0"/>
+              <a:t>Evaluate Rules in parallel on the GPU!</a:t>
+            </a:r>
+          </a:p>
+          <a:p>
+            <a:endParaRPr lang="en-US" dirty="0"/>
+          </a:p>
+        </p:txBody>
+      </p:sp>
+    </p:spTree>
+  </p:cSld>
+  <p:clrMapOvr>
+    <a:masterClrMapping/>
+  </p:clrMapOvr>
+</p:sld>
+</file>
+
+<file path=ppt/slides/slide6.xml><?xml version="1.0" encoding="utf-8"?>
+<p:sld xmlns:a="http://schemas.openxmlformats.org/drawingml/2006/main" xmlns:r="http://schemas.openxmlformats.org/officeDocument/2006/relationships" xmlns:p="http://schemas.openxmlformats.org/presentationml/2006/main">
+  <p:cSld>
+    <p:spTree>
+      <p:nvGrpSpPr>
+        <p:cNvPr id="1" name=""/>
+        <p:cNvGrpSpPr/>
+        <p:nvPr/>
+      </p:nvGrpSpPr>
+      <p:grpSpPr>
+        <a:xfrm>
+          <a:off x="0" y="0"/>
+          <a:ext cx="0" cy="0"/>
+          <a:chOff x="0" y="0"/>
+          <a:chExt cx="0" cy="0"/>
+        </a:xfrm>
+      </p:grpSpPr>
+      <p:sp>
+        <p:nvSpPr>
+          <p:cNvPr id="2" name="Title 1"/>
+          <p:cNvSpPr>
+            <a:spLocks noGrp="1"/>
+          </p:cNvSpPr>
+          <p:nvPr>
+            <p:ph type="title"/>
+          </p:nvPr>
+        </p:nvSpPr>
+        <p:spPr/>
+        <p:txBody>
+          <a:bodyPr/>
+          <a:lstStyle/>
+          <a:p>
+            <a:r>
+              <a:rPr lang="en-US" dirty="0" smtClean="0"/>
               <a:t>Caveats</a:t>
             </a:r>
             <a:endParaRPr lang="en-US" dirty="0"/>
@@ -3365,10 +4116,422 @@
         </p:nvSpPr>
         <p:spPr/>
         <p:txBody>
-          <a:bodyPr/>
-          <a:lstStyle/>
-          <a:p>
-            <a:endParaRPr lang="en-US"/>
+          <a:bodyPr>
+            <a:normAutofit lnSpcReduction="10000"/>
+          </a:bodyPr>
+          <a:lstStyle/>
+          <a:p>
+            <a:r>
+              <a:rPr lang="en-US" dirty="0" smtClean="0"/>
+              <a:t>NOT integrating Jiminy directly with Geppetto language just now</a:t>
+            </a:r>
+          </a:p>
+          <a:p>
+            <a:r>
+              <a:rPr lang="en-US" dirty="0" smtClean="0"/>
+              <a:t>Instead</a:t>
+            </a:r>
+            <a:r>
+              <a:rPr lang="en-US" dirty="0" smtClean="0"/>
+              <a:t>, using randomly generated expressions that COULD appear in Geppetto</a:t>
+            </a:r>
+          </a:p>
+          <a:p>
+            <a:pPr lvl="1"/>
+            <a:r>
+              <a:rPr lang="en-US" dirty="0" smtClean="0"/>
+              <a:t>Using the </a:t>
+            </a:r>
+            <a:r>
+              <a:rPr lang="en-US" b="1" dirty="0" smtClean="0"/>
+              <a:t>decision list </a:t>
+            </a:r>
+            <a:r>
+              <a:rPr lang="en-US" dirty="0" smtClean="0"/>
+              <a:t>as the basic template for logical expressions</a:t>
+            </a:r>
+          </a:p>
+          <a:p>
+            <a:pPr lvl="1"/>
+            <a:r>
+              <a:rPr lang="en-US" dirty="0" smtClean="0"/>
+              <a:t>Each node of each DL has its own boolean expression, which is a randomly-generated comparison using one of the supported data types (</a:t>
+            </a:r>
+            <a:r>
+              <a:rPr lang="en-US" dirty="0" err="1" smtClean="0"/>
+              <a:t>int</a:t>
+            </a:r>
+            <a:r>
+              <a:rPr lang="en-US" dirty="0" smtClean="0"/>
+              <a:t>, float, boolean, string)</a:t>
+            </a:r>
+          </a:p>
+        </p:txBody>
+      </p:sp>
+    </p:spTree>
+  </p:cSld>
+  <p:clrMapOvr>
+    <a:masterClrMapping/>
+  </p:clrMapOvr>
+</p:sld>
+</file>
+
+<file path=ppt/slides/slide7.xml><?xml version="1.0" encoding="utf-8"?>
+<p:sld xmlns:a="http://schemas.openxmlformats.org/drawingml/2006/main" xmlns:r="http://schemas.openxmlformats.org/officeDocument/2006/relationships" xmlns:p="http://schemas.openxmlformats.org/presentationml/2006/main">
+  <p:cSld>
+    <p:spTree>
+      <p:nvGrpSpPr>
+        <p:cNvPr id="1" name=""/>
+        <p:cNvGrpSpPr/>
+        <p:nvPr/>
+      </p:nvGrpSpPr>
+      <p:grpSpPr>
+        <a:xfrm>
+          <a:off x="0" y="0"/>
+          <a:ext cx="0" cy="0"/>
+          <a:chOff x="0" y="0"/>
+          <a:chExt cx="0" cy="0"/>
+        </a:xfrm>
+      </p:grpSpPr>
+      <p:sp>
+        <p:nvSpPr>
+          <p:cNvPr id="2" name="Title 1"/>
+          <p:cNvSpPr>
+            <a:spLocks noGrp="1"/>
+          </p:cNvSpPr>
+          <p:nvPr>
+            <p:ph type="title"/>
+          </p:nvPr>
+        </p:nvSpPr>
+        <p:spPr/>
+        <p:txBody>
+          <a:bodyPr/>
+          <a:lstStyle/>
+          <a:p>
+            <a:r>
+              <a:rPr lang="en-US" dirty="0" smtClean="0"/>
+              <a:t>In Other Words…</a:t>
+            </a:r>
+            <a:endParaRPr lang="en-US" dirty="0"/>
+          </a:p>
+        </p:txBody>
+      </p:sp>
+      <p:sp>
+        <p:nvSpPr>
+          <p:cNvPr id="3" name="Content Placeholder 2"/>
+          <p:cNvSpPr>
+            <a:spLocks noGrp="1"/>
+          </p:cNvSpPr>
+          <p:nvPr>
+            <p:ph idx="1"/>
+          </p:nvPr>
+        </p:nvSpPr>
+        <p:spPr/>
+        <p:txBody>
+          <a:bodyPr/>
+          <a:lstStyle/>
+          <a:p>
+            <a:r>
+              <a:rPr lang="en-US" dirty="0" smtClean="0"/>
+              <a:t>My project boils down to evaluating decision lists in parallel on the GPU</a:t>
+            </a:r>
+          </a:p>
+          <a:p>
+            <a:pPr>
+              <a:buNone/>
+            </a:pPr>
+            <a:endParaRPr lang="en-US" dirty="0" smtClean="0"/>
+          </a:p>
+          <a:p>
+            <a:pPr>
+              <a:buNone/>
+            </a:pPr>
+            <a:endParaRPr lang="en-US" dirty="0"/>
+          </a:p>
+        </p:txBody>
+      </p:sp>
+      <p:pic>
+        <p:nvPicPr>
+          <p:cNvPr id="5" name="Picture 4" descr="bored-273x300.jpg"/>
+          <p:cNvPicPr>
+            <a:picLocks noChangeAspect="1"/>
+          </p:cNvPicPr>
+          <p:nvPr/>
+        </p:nvPicPr>
+        <p:blipFill>
+          <a:blip r:embed="rId2" cstate="print"/>
+          <a:stretch>
+            <a:fillRect/>
+          </a:stretch>
+        </p:blipFill>
+        <p:spPr>
+          <a:xfrm>
+            <a:off x="3200400" y="2895600"/>
+            <a:ext cx="2743200" cy="3014505"/>
+          </a:xfrm>
+          <a:prstGeom prst="rect">
+            <a:avLst/>
+          </a:prstGeom>
+        </p:spPr>
+      </p:pic>
+    </p:spTree>
+  </p:cSld>
+  <p:clrMapOvr>
+    <a:masterClrMapping/>
+  </p:clrMapOvr>
+</p:sld>
+</file>
+
+<file path=ppt/slides/slide8.xml><?xml version="1.0" encoding="utf-8"?>
+<p:sld xmlns:a="http://schemas.openxmlformats.org/drawingml/2006/main" xmlns:r="http://schemas.openxmlformats.org/officeDocument/2006/relationships" xmlns:p="http://schemas.openxmlformats.org/presentationml/2006/main">
+  <p:cSld>
+    <p:spTree>
+      <p:nvGrpSpPr>
+        <p:cNvPr id="1" name=""/>
+        <p:cNvGrpSpPr/>
+        <p:nvPr/>
+      </p:nvGrpSpPr>
+      <p:grpSpPr>
+        <a:xfrm>
+          <a:off x="0" y="0"/>
+          <a:ext cx="0" cy="0"/>
+          <a:chOff x="0" y="0"/>
+          <a:chExt cx="0" cy="0"/>
+        </a:xfrm>
+      </p:grpSpPr>
+      <p:sp>
+        <p:nvSpPr>
+          <p:cNvPr id="2" name="Title 1"/>
+          <p:cNvSpPr>
+            <a:spLocks noGrp="1"/>
+          </p:cNvSpPr>
+          <p:nvPr>
+            <p:ph type="title"/>
+          </p:nvPr>
+        </p:nvSpPr>
+        <p:spPr/>
+        <p:txBody>
+          <a:bodyPr/>
+          <a:lstStyle/>
+          <a:p>
+            <a:r>
+              <a:rPr lang="en-US" dirty="0" smtClean="0"/>
+              <a:t>How to Implement?</a:t>
+            </a:r>
+            <a:endParaRPr lang="en-US" dirty="0"/>
+          </a:p>
+        </p:txBody>
+      </p:sp>
+      <p:sp>
+        <p:nvSpPr>
+          <p:cNvPr id="3" name="Content Placeholder 2"/>
+          <p:cNvSpPr>
+            <a:spLocks noGrp="1"/>
+          </p:cNvSpPr>
+          <p:nvPr>
+            <p:ph idx="1"/>
+          </p:nvPr>
+        </p:nvSpPr>
+        <p:spPr/>
+        <p:txBody>
+          <a:bodyPr>
+            <a:normAutofit fontScale="92500" lnSpcReduction="10000"/>
+          </a:bodyPr>
+          <a:lstStyle/>
+          <a:p>
+            <a:r>
+              <a:rPr lang="en-US" dirty="0" smtClean="0"/>
+              <a:t>Need to convert arbitrary data </a:t>
+            </a:r>
+            <a:r>
+              <a:rPr lang="en-US" dirty="0" smtClean="0"/>
+              <a:t>in </a:t>
+            </a:r>
+            <a:r>
+              <a:rPr lang="en-US" dirty="0" smtClean="0"/>
+              <a:t>Java collection classes </a:t>
+            </a:r>
+            <a:r>
+              <a:rPr lang="en-US" dirty="0" smtClean="0"/>
+              <a:t>into a format </a:t>
+            </a:r>
+            <a:r>
+              <a:rPr lang="en-US" dirty="0" smtClean="0"/>
+              <a:t>that can be processed by the GPU</a:t>
+            </a:r>
+          </a:p>
+          <a:p>
+            <a:pPr lvl="1"/>
+            <a:r>
+              <a:rPr lang="en-US" dirty="0" smtClean="0"/>
+              <a:t>Separate each DL into its component expressions and send them to the GPU separately, one per thread</a:t>
+            </a:r>
+          </a:p>
+          <a:p>
+            <a:pPr lvl="1"/>
+            <a:r>
+              <a:rPr lang="en-US" dirty="0" smtClean="0"/>
+              <a:t>Each expression is encoded as a string</a:t>
+            </a:r>
+          </a:p>
+          <a:p>
+            <a:pPr lvl="2"/>
+            <a:r>
+              <a:rPr lang="en-US" dirty="0" smtClean="0"/>
+              <a:t>Example: EB{EV{var2}!=IC{9935</a:t>
+            </a:r>
+            <a:r>
+              <a:rPr lang="en-US" dirty="0" smtClean="0"/>
+              <a:t>}}</a:t>
+            </a:r>
+            <a:r>
+              <a:rPr lang="en-US" dirty="0" smtClean="0"/>
+              <a:t>T</a:t>
+            </a:r>
+          </a:p>
+          <a:p>
+            <a:pPr lvl="1"/>
+            <a:r>
+              <a:rPr lang="en-US" dirty="0" smtClean="0"/>
+              <a:t>Kernel reconstitutes the expression given the string</a:t>
+            </a:r>
+          </a:p>
+          <a:p>
+            <a:pPr lvl="1"/>
+            <a:r>
+              <a:rPr lang="en-US" dirty="0" smtClean="0"/>
+              <a:t>Three possible return values per expression: T, F, X</a:t>
+            </a:r>
+          </a:p>
+          <a:p>
+            <a:pPr lvl="1"/>
+            <a:r>
+              <a:rPr lang="en-US" dirty="0" smtClean="0"/>
+              <a:t>Reassemble node RV’s on host to get final DL values</a:t>
+            </a:r>
+            <a:endParaRPr lang="en-US" dirty="0"/>
+          </a:p>
+        </p:txBody>
+      </p:sp>
+    </p:spTree>
+  </p:cSld>
+  <p:clrMapOvr>
+    <a:masterClrMapping/>
+  </p:clrMapOvr>
+</p:sld>
+</file>
+
+<file path=ppt/slides/slide9.xml><?xml version="1.0" encoding="utf-8"?>
+<p:sld xmlns:a="http://schemas.openxmlformats.org/drawingml/2006/main" xmlns:r="http://schemas.openxmlformats.org/officeDocument/2006/relationships" xmlns:p="http://schemas.openxmlformats.org/presentationml/2006/main">
+  <p:cSld>
+    <p:spTree>
+      <p:nvGrpSpPr>
+        <p:cNvPr id="1" name=""/>
+        <p:cNvGrpSpPr/>
+        <p:nvPr/>
+      </p:nvGrpSpPr>
+      <p:grpSpPr>
+        <a:xfrm>
+          <a:off x="0" y="0"/>
+          <a:ext cx="0" cy="0"/>
+          <a:chOff x="0" y="0"/>
+          <a:chExt cx="0" cy="0"/>
+        </a:xfrm>
+      </p:grpSpPr>
+      <p:sp>
+        <p:nvSpPr>
+          <p:cNvPr id="2" name="Title 1"/>
+          <p:cNvSpPr>
+            <a:spLocks noGrp="1"/>
+          </p:cNvSpPr>
+          <p:nvPr>
+            <p:ph type="title"/>
+          </p:nvPr>
+        </p:nvSpPr>
+        <p:spPr/>
+        <p:txBody>
+          <a:bodyPr/>
+          <a:lstStyle/>
+          <a:p>
+            <a:r>
+              <a:rPr lang="en-US" dirty="0" smtClean="0"/>
+              <a:t>Results</a:t>
+            </a:r>
+            <a:endParaRPr lang="en-US" dirty="0"/>
+          </a:p>
+        </p:txBody>
+      </p:sp>
+      <p:sp>
+        <p:nvSpPr>
+          <p:cNvPr id="3" name="Content Placeholder 2"/>
+          <p:cNvSpPr>
+            <a:spLocks noGrp="1"/>
+          </p:cNvSpPr>
+          <p:nvPr>
+            <p:ph idx="1"/>
+          </p:nvPr>
+        </p:nvSpPr>
+        <p:spPr/>
+        <p:txBody>
+          <a:bodyPr/>
+          <a:lstStyle/>
+          <a:p>
+            <a:r>
+              <a:rPr lang="en-US" dirty="0" smtClean="0"/>
+              <a:t>Processing 10,000 logical expressions:</a:t>
+            </a:r>
+          </a:p>
+          <a:p>
+            <a:pPr lvl="1"/>
+            <a:r>
+              <a:rPr lang="en-US" dirty="0" smtClean="0"/>
+              <a:t>CPU:</a:t>
+            </a:r>
+          </a:p>
+          <a:p>
+            <a:pPr lvl="1"/>
+            <a:r>
+              <a:rPr lang="en-US" dirty="0" smtClean="0"/>
+              <a:t>GPU</a:t>
+            </a:r>
+            <a:r>
+              <a:rPr lang="en-US" dirty="0" smtClean="0"/>
+              <a:t>:</a:t>
+            </a:r>
+          </a:p>
+          <a:p>
+            <a:r>
+              <a:rPr lang="en-US" dirty="0" smtClean="0"/>
+              <a:t>Why?</a:t>
+            </a:r>
+          </a:p>
+          <a:p>
+            <a:pPr lvl="1"/>
+            <a:r>
+              <a:rPr lang="en-US" dirty="0" smtClean="0"/>
+              <a:t>The cost of </a:t>
+            </a:r>
+            <a:r>
+              <a:rPr lang="en-US" dirty="0" smtClean="0"/>
+              <a:t>encoding each </a:t>
+            </a:r>
+            <a:r>
+              <a:rPr lang="en-US" dirty="0" smtClean="0"/>
+              <a:t>expression and transmitting it to </a:t>
+            </a:r>
+            <a:r>
+              <a:rPr lang="en-US" dirty="0" smtClean="0"/>
+              <a:t>the GPU is greater than the cost of simply evaluating it on the host!</a:t>
+            </a:r>
+            <a:endParaRPr lang="en-US" dirty="0" smtClean="0"/>
+          </a:p>
+          <a:p>
+            <a:pPr lvl="1"/>
+            <a:r>
+              <a:rPr lang="en-US" dirty="0" smtClean="0"/>
+              <a:t>Processing on the GPU is too complex – threads are totally divergent</a:t>
+            </a:r>
+            <a:endParaRPr lang="en-US" dirty="0"/>
           </a:p>
         </p:txBody>
       </p:sp>

--- a/docs/presentation/Presentation.pptx
+++ b/docs/presentation/Presentation.pptx
@@ -3185,7 +3185,7 @@
           <a:p>
             <a:r>
               <a:rPr lang="en-US" dirty="0" smtClean="0"/>
-              <a:t>Bad Idea!</a:t>
+              <a:t>Yikes!</a:t>
             </a:r>
             <a:endParaRPr lang="en-US" dirty="0"/>
           </a:p>
@@ -3334,7 +3334,7 @@
                 <a:ea typeface="+mn-ea"/>
                 <a:cs typeface="+mn-cs"/>
               </a:rPr>
-              <a:t> not be a worthwhile endeavor</a:t>
+              <a:t> not be such a great idea</a:t>
             </a:r>
           </a:p>
         </p:txBody>
@@ -4473,20 +4473,40 @@
         </p:nvSpPr>
         <p:spPr/>
         <p:txBody>
-          <a:bodyPr/>
-          <a:lstStyle/>
-          <a:p>
-            <a:r>
-              <a:rPr lang="en-US" dirty="0" smtClean="0"/>
-              <a:t>Processing 10,000 logical expressions:</a:t>
-            </a:r>
+          <a:bodyPr>
+            <a:normAutofit fontScale="92500" lnSpcReduction="20000"/>
+          </a:bodyPr>
+          <a:lstStyle/>
+          <a:p>
+            <a:r>
+              <a:rPr lang="en-US" dirty="0" smtClean="0"/>
+              <a:t>Processing </a:t>
+            </a:r>
+            <a:r>
+              <a:rPr lang="en-US" dirty="0" smtClean="0"/>
+              <a:t>1000 </a:t>
+            </a:r>
+            <a:r>
+              <a:rPr lang="en-US" dirty="0" smtClean="0"/>
+              <a:t>logical </a:t>
+            </a:r>
+            <a:r>
+              <a:rPr lang="en-US" dirty="0" smtClean="0"/>
+              <a:t>expressions with a max complexity of 3 elements and 100 independent variables:</a:t>
+            </a:r>
+            <a:endParaRPr lang="en-US" dirty="0" smtClean="0"/>
           </a:p>
           <a:p>
             <a:pPr lvl="1"/>
             <a:r>
               <a:rPr lang="en-US" dirty="0" smtClean="0"/>
-              <a:t>CPU:</a:t>
-            </a:r>
+              <a:t>CPU</a:t>
+            </a:r>
+            <a:r>
+              <a:rPr lang="en-US" dirty="0" smtClean="0"/>
+              <a:t>: 3 ms</a:t>
+            </a:r>
+            <a:endParaRPr lang="en-US" dirty="0" smtClean="0"/>
           </a:p>
           <a:p>
             <a:pPr lvl="1"/>
@@ -4496,7 +4516,7 @@
             </a:r>
             <a:r>
               <a:rPr lang="en-US" dirty="0" smtClean="0"/>
-              <a:t>:</a:t>
+              <a:t>: ~600 ms</a:t>
             </a:r>
           </a:p>
           <a:p>
@@ -4517,21 +4537,21 @@
             </a:r>
             <a:r>
               <a:rPr lang="en-US" dirty="0" smtClean="0"/>
-              <a:t>expression and transmitting it to </a:t>
-            </a:r>
-            <a:r>
-              <a:rPr lang="en-US" dirty="0" smtClean="0"/>
-              <a:t>the GPU is greater than the cost of simply evaluating it on the host!</a:t>
+              <a:t>expression, transmitting it to </a:t>
+            </a:r>
+            <a:r>
+              <a:rPr lang="en-US" dirty="0" smtClean="0"/>
+              <a:t>the GPU, decoding and evaluating it there, and then sending the results back to the CPU is </a:t>
+            </a:r>
+            <a:r>
+              <a:rPr lang="en-US" b="1" i="1" dirty="0" smtClean="0"/>
+              <a:t>much </a:t>
+            </a:r>
+            <a:r>
+              <a:rPr lang="en-US" dirty="0" smtClean="0"/>
+              <a:t>greater than the cost of simply evaluating it on the host!</a:t>
             </a:r>
             <a:endParaRPr lang="en-US" dirty="0" smtClean="0"/>
-          </a:p>
-          <a:p>
-            <a:pPr lvl="1"/>
-            <a:r>
-              <a:rPr lang="en-US" dirty="0" smtClean="0"/>
-              <a:t>Processing on the GPU is too complex – threads are totally divergent</a:t>
-            </a:r>
-            <a:endParaRPr lang="en-US" dirty="0"/>
           </a:p>
         </p:txBody>
       </p:sp>

--- a/docs/presentation/Presentation.pptx
+++ b/docs/presentation/Presentation.pptx
@@ -4541,7 +4541,7 @@
             </a:r>
             <a:r>
               <a:rPr lang="en-US" dirty="0" smtClean="0"/>
-              <a:t>the GPU, decoding and evaluating it there, and then sending the results back to the CPU is </a:t>
+              <a:t>the GPU, decoding and evaluating it there, and then sending the results back to the CPU turns out to  </a:t>
             </a:r>
             <a:r>
               <a:rPr lang="en-US" b="1" i="1" dirty="0" smtClean="0"/>
